--- a/Space Adventure.pptx
+++ b/Space Adventure.pptx
@@ -109,7 +109,41 @@
       </a:defRPr>
     </a:lvl9pPr>
   </p:defaultTextStyle>
+  <p:extLst>
+    <p:ext uri="{EFAFB233-063F-42B5-8137-9DF3F51BA10A}">
+      <p15:sldGuideLst xmlns:p15="http://schemas.microsoft.com/office/powerpoint/2012/main"/>
+    </p:ext>
+  </p:extLst>
 </p:presentation>
+</file>
+
+<file path=ppt/changesInfos/changesInfo1.xml><?xml version="1.0" encoding="utf-8"?>
+<pc:chgInfo xmlns:a="http://schemas.openxmlformats.org/drawingml/2006/main" xmlns:r="http://schemas.openxmlformats.org/officeDocument/2006/relationships" xmlns:ac="http://schemas.microsoft.com/office/drawing/2013/main/command" xmlns:pc="http://schemas.microsoft.com/office/powerpoint/2013/main/command">
+  <pc:docChgLst>
+    <pc:chgData userId="574c9e167218b51d" providerId="LiveId" clId="{2A9DCC24-4C16-424A-8837-0CF7BB2DDEB5}"/>
+    <pc:docChg chg="custSel modSld">
+      <pc:chgData name="" userId="574c9e167218b51d" providerId="LiveId" clId="{2A9DCC24-4C16-424A-8837-0CF7BB2DDEB5}" dt="2026-01-31T08:46:02.197" v="7" actId="12"/>
+      <pc:docMkLst>
+        <pc:docMk/>
+      </pc:docMkLst>
+      <pc:sldChg chg="modSp">
+        <pc:chgData name="" userId="574c9e167218b51d" providerId="LiveId" clId="{2A9DCC24-4C16-424A-8837-0CF7BB2DDEB5}" dt="2026-01-31T08:46:02.197" v="7" actId="12"/>
+        <pc:sldMkLst>
+          <pc:docMk/>
+          <pc:sldMk cId="2726689102" sldId="260"/>
+        </pc:sldMkLst>
+        <pc:spChg chg="mod">
+          <ac:chgData name="" userId="574c9e167218b51d" providerId="LiveId" clId="{2A9DCC24-4C16-424A-8837-0CF7BB2DDEB5}" dt="2026-01-31T08:46:02.197" v="7" actId="12"/>
+          <ac:spMkLst>
+            <pc:docMk/>
+            <pc:sldMk cId="2726689102" sldId="260"/>
+            <ac:spMk id="3" creationId="{AF2C4155-A5AB-447C-891A-AF77656D7EEA}"/>
+          </ac:spMkLst>
+        </pc:spChg>
+      </pc:sldChg>
+    </pc:docChg>
+  </pc:docChgLst>
+</pc:chgInfo>
 </file>
 
 <file path=ppt/slideLayouts/slideLayout1.xml><?xml version="1.0" encoding="utf-8"?>
@@ -298,7 +332,7 @@
           <a:p>
             <a:fld id="{4AAD347D-5ACD-4C99-B74B-A9C85AD731AF}" type="datetimeFigureOut">
               <a:rPr lang="en-US" dirty="0"/>
-              <a:t>1/25/2026</a:t>
+              <a:t>1/31/2026</a:t>
             </a:fld>
             <a:endParaRPr lang="en-US" dirty="0"/>
           </a:p>
@@ -568,7 +602,7 @@
           <a:p>
             <a:fld id="{4509A250-FF31-4206-8172-F9D3106AACB1}" type="datetimeFigureOut">
               <a:rPr lang="en-US" dirty="0"/>
-              <a:t>1/25/2026</a:t>
+              <a:t>1/31/2026</a:t>
             </a:fld>
             <a:endParaRPr lang="en-US" dirty="0"/>
           </a:p>
@@ -757,7 +791,7 @@
           <a:p>
             <a:fld id="{4509A250-FF31-4206-8172-F9D3106AACB1}" type="datetimeFigureOut">
               <a:rPr lang="en-US" dirty="0"/>
-              <a:t>1/25/2026</a:t>
+              <a:t>1/31/2026</a:t>
             </a:fld>
             <a:endParaRPr lang="en-US" dirty="0"/>
           </a:p>
@@ -1025,7 +1059,7 @@
           <a:p>
             <a:fld id="{4509A250-FF31-4206-8172-F9D3106AACB1}" type="datetimeFigureOut">
               <a:rPr lang="en-US" dirty="0"/>
-              <a:t>1/25/2026</a:t>
+              <a:t>1/31/2026</a:t>
             </a:fld>
             <a:endParaRPr lang="en-US" dirty="0"/>
           </a:p>
@@ -1361,7 +1395,7 @@
           <a:p>
             <a:fld id="{4509A250-FF31-4206-8172-F9D3106AACB1}" type="datetimeFigureOut">
               <a:rPr lang="en-US" dirty="0"/>
-              <a:t>1/25/2026</a:t>
+              <a:t>1/31/2026</a:t>
             </a:fld>
             <a:endParaRPr lang="en-US" dirty="0"/>
           </a:p>
@@ -1979,7 +2013,7 @@
           <a:p>
             <a:fld id="{4509A250-FF31-4206-8172-F9D3106AACB1}" type="datetimeFigureOut">
               <a:rPr lang="en-US" dirty="0"/>
-              <a:t>1/25/2026</a:t>
+              <a:t>1/31/2026</a:t>
             </a:fld>
             <a:endParaRPr lang="en-US" dirty="0"/>
           </a:p>
@@ -2834,7 +2868,7 @@
           <a:p>
             <a:fld id="{4509A250-FF31-4206-8172-F9D3106AACB1}" type="datetimeFigureOut">
               <a:rPr lang="en-US" dirty="0"/>
-              <a:t>1/25/2026</a:t>
+              <a:t>1/31/2026</a:t>
             </a:fld>
             <a:endParaRPr lang="en-US" dirty="0"/>
           </a:p>
@@ -2999,7 +3033,7 @@
           <a:p>
             <a:fld id="{4509A250-FF31-4206-8172-F9D3106AACB1}" type="datetimeFigureOut">
               <a:rPr lang="en-US" dirty="0"/>
-              <a:t>1/25/2026</a:t>
+              <a:t>1/31/2026</a:t>
             </a:fld>
             <a:endParaRPr lang="en-US" dirty="0"/>
           </a:p>
@@ -3174,7 +3208,7 @@
           <a:p>
             <a:fld id="{4509A250-FF31-4206-8172-F9D3106AACB1}" type="datetimeFigureOut">
               <a:rPr lang="en-US" dirty="0"/>
-              <a:t>1/25/2026</a:t>
+              <a:t>1/31/2026</a:t>
             </a:fld>
             <a:endParaRPr lang="en-US" dirty="0"/>
           </a:p>
@@ -3339,7 +3373,7 @@
           <a:p>
             <a:fld id="{4509A250-FF31-4206-8172-F9D3106AACB1}" type="datetimeFigureOut">
               <a:rPr lang="en-US" dirty="0"/>
-              <a:t>1/25/2026</a:t>
+              <a:t>1/31/2026</a:t>
             </a:fld>
             <a:endParaRPr lang="en-US" dirty="0"/>
           </a:p>
@@ -3581,7 +3615,7 @@
           <a:p>
             <a:fld id="{9796027F-7875-4030-9381-8BD8C4F21935}" type="datetimeFigureOut">
               <a:rPr lang="en-US" dirty="0"/>
-              <a:t>1/25/2026</a:t>
+              <a:t>1/31/2026</a:t>
             </a:fld>
             <a:endParaRPr lang="en-US" dirty="0"/>
           </a:p>
@@ -3868,7 +3902,7 @@
           <a:p>
             <a:fld id="{9796027F-7875-4030-9381-8BD8C4F21935}" type="datetimeFigureOut">
               <a:rPr lang="en-US" dirty="0"/>
-              <a:t>1/25/2026</a:t>
+              <a:t>1/31/2026</a:t>
             </a:fld>
             <a:endParaRPr lang="en-US" dirty="0"/>
           </a:p>
@@ -4307,7 +4341,7 @@
           <a:p>
             <a:fld id="{9796027F-7875-4030-9381-8BD8C4F21935}" type="datetimeFigureOut">
               <a:rPr lang="en-US" dirty="0"/>
-              <a:t>1/25/2026</a:t>
+              <a:t>1/31/2026</a:t>
             </a:fld>
             <a:endParaRPr lang="en-US" dirty="0"/>
           </a:p>
@@ -4420,7 +4454,7 @@
           <a:p>
             <a:fld id="{4509A250-FF31-4206-8172-F9D3106AACB1}" type="datetimeFigureOut">
               <a:rPr lang="en-US" dirty="0"/>
-              <a:t>1/25/2026</a:t>
+              <a:t>1/31/2026</a:t>
             </a:fld>
             <a:endParaRPr lang="en-US" dirty="0"/>
           </a:p>
@@ -4510,7 +4544,7 @@
           <a:p>
             <a:fld id="{4509A250-FF31-4206-8172-F9D3106AACB1}" type="datetimeFigureOut">
               <a:rPr lang="en-US" dirty="0"/>
-              <a:t>1/25/2026</a:t>
+              <a:t>1/31/2026</a:t>
             </a:fld>
             <a:endParaRPr lang="en-US" dirty="0"/>
           </a:p>
@@ -4784,7 +4818,7 @@
           <a:p>
             <a:fld id="{4509A250-FF31-4206-8172-F9D3106AACB1}" type="datetimeFigureOut">
               <a:rPr lang="en-US" dirty="0"/>
-              <a:t>1/25/2026</a:t>
+              <a:t>1/31/2026</a:t>
             </a:fld>
             <a:endParaRPr lang="en-US" dirty="0"/>
           </a:p>
@@ -5054,7 +5088,7 @@
           <a:p>
             <a:fld id="{4509A250-FF31-4206-8172-F9D3106AACB1}" type="datetimeFigureOut">
               <a:rPr lang="en-US" dirty="0"/>
-              <a:t>1/25/2026</a:t>
+              <a:t>1/31/2026</a:t>
             </a:fld>
             <a:endParaRPr lang="en-US" dirty="0"/>
           </a:p>
@@ -5478,7 +5512,7 @@
           <a:p>
             <a:fld id="{4AAD347D-5ACD-4C99-B74B-A9C85AD731AF}" type="datetimeFigureOut">
               <a:rPr lang="en-US" dirty="0"/>
-              <a:t>1/25/2026</a:t>
+              <a:t>1/31/2026</a:t>
             </a:fld>
             <a:endParaRPr lang="en-US" dirty="0"/>
           </a:p>
@@ -6764,15 +6798,9 @@
         </p:spPr>
         <p:txBody>
           <a:bodyPr>
-            <a:normAutofit fontScale="92500" lnSpcReduction="20000"/>
+            <a:normAutofit fontScale="92500"/>
           </a:bodyPr>
           <a:lstStyle/>
-          <a:p>
-            <a:r>
-              <a:rPr lang="ru-RU" sz="4000" dirty="0"/>
-              <a:t>Систему уровней</a:t>
-            </a:r>
-          </a:p>
           <a:p>
             <a:r>
               <a:rPr lang="ru-RU" sz="4000" dirty="0"/>
